--- a/Session2/TuesdaysLab2.pptx
+++ b/Session2/TuesdaysLab2.pptx
@@ -5,7 +5,7 @@
     <p:sldMasterId id="2147483648" r:id="rId1"/>
   </p:sldMasterIdLst>
   <p:notesMasterIdLst>
-    <p:notesMasterId r:id="rId18"/>
+    <p:notesMasterId r:id="rId28"/>
   </p:notesMasterIdLst>
   <p:sldIdLst>
     <p:sldId id="256" r:id="rId2"/>
@@ -24,6 +24,16 @@
     <p:sldId id="297" r:id="rId15"/>
     <p:sldId id="298" r:id="rId16"/>
     <p:sldId id="299" r:id="rId17"/>
+    <p:sldId id="301" r:id="rId18"/>
+    <p:sldId id="302" r:id="rId19"/>
+    <p:sldId id="304" r:id="rId20"/>
+    <p:sldId id="305" r:id="rId21"/>
+    <p:sldId id="306" r:id="rId22"/>
+    <p:sldId id="307" r:id="rId23"/>
+    <p:sldId id="309" r:id="rId24"/>
+    <p:sldId id="310" r:id="rId25"/>
+    <p:sldId id="300" r:id="rId26"/>
+    <p:sldId id="311" r:id="rId27"/>
   </p:sldIdLst>
   <p:sldSz cx="12192000" cy="6858000"/>
   <p:notesSz cx="6858000" cy="9144000"/>
@@ -4157,6 +4167,574 @@
 </p:sld>
 </file>
 
+<file path=ppt/slides/slide17.xml><?xml version="1.0" encoding="utf-8"?>
+<p:sld xmlns:a="http://schemas.openxmlformats.org/drawingml/2006/main" xmlns:r="http://schemas.openxmlformats.org/officeDocument/2006/relationships" xmlns:p="http://schemas.openxmlformats.org/presentationml/2006/main">
+  <p:cSld>
+    <p:spTree>
+      <p:nvGrpSpPr>
+        <p:cNvPr id="1" name=""/>
+        <p:cNvGrpSpPr/>
+        <p:nvPr/>
+      </p:nvGrpSpPr>
+      <p:grpSpPr>
+        <a:xfrm>
+          <a:off x="0" y="0"/>
+          <a:ext cx="0" cy="0"/>
+          <a:chOff x="0" y="0"/>
+          <a:chExt cx="0" cy="0"/>
+        </a:xfrm>
+      </p:grpSpPr>
+      <p:sp>
+        <p:nvSpPr>
+          <p:cNvPr id="2" name="Title 1"/>
+          <p:cNvSpPr>
+            <a:spLocks noGrp="1"/>
+          </p:cNvSpPr>
+          <p:nvPr>
+            <p:ph type="title"/>
+          </p:nvPr>
+        </p:nvSpPr>
+        <p:spPr/>
+        <p:txBody>
+          <a:bodyPr/>
+          <a:lstStyle/>
+          <a:p>
+            <a:r>
+              <a:rPr lang="en-US" dirty="0" smtClean="0"/>
+              <a:t>Other types of Lists</a:t>
+            </a:r>
+            <a:endParaRPr lang="en-US" dirty="0"/>
+          </a:p>
+        </p:txBody>
+      </p:sp>
+      <p:sp>
+        <p:nvSpPr>
+          <p:cNvPr id="3" name="Content Placeholder 2"/>
+          <p:cNvSpPr>
+            <a:spLocks noGrp="1"/>
+          </p:cNvSpPr>
+          <p:nvPr>
+            <p:ph idx="1"/>
+          </p:nvPr>
+        </p:nvSpPr>
+        <p:spPr/>
+        <p:txBody>
+          <a:bodyPr/>
+          <a:lstStyle/>
+          <a:p>
+            <a:r>
+              <a:rPr lang="en-US" dirty="0" smtClean="0"/>
+              <a:t>Set is </a:t>
+            </a:r>
+            <a:r>
+              <a:rPr lang="en-US" dirty="0"/>
+              <a:t>a subtype of the </a:t>
+            </a:r>
+            <a:r>
+              <a:rPr lang="en-US" b="1" dirty="0">
+                <a:hlinkClick r:id="rId2"/>
+              </a:rPr>
+              <a:t>java.util.Collection</a:t>
+            </a:r>
+            <a:r>
+              <a:rPr lang="en-US" dirty="0"/>
+              <a:t> interface. It represents set of objects, meaning each element can only exists once in a </a:t>
+            </a:r>
+            <a:r>
+              <a:rPr lang="en-US" dirty="0"/>
+              <a:t>Set</a:t>
+            </a:r>
+            <a:r>
+              <a:rPr lang="en-US" dirty="0" smtClean="0"/>
+              <a:t>.</a:t>
+            </a:r>
+          </a:p>
+          <a:p>
+            <a:r>
+              <a:rPr lang="en-US" dirty="0" err="1" smtClean="0"/>
+              <a:t>SortedSet</a:t>
+            </a:r>
+            <a:r>
+              <a:rPr lang="en-US" dirty="0" smtClean="0"/>
+              <a:t> </a:t>
+            </a:r>
+            <a:r>
+              <a:rPr lang="en-US" dirty="0"/>
+              <a:t> interface is a subtype of the </a:t>
+            </a:r>
+            <a:r>
+              <a:rPr lang="en-US" b="1" dirty="0">
+                <a:hlinkClick r:id="rId3"/>
+              </a:rPr>
+              <a:t>java.util.Set</a:t>
+            </a:r>
+            <a:r>
+              <a:rPr lang="en-US" dirty="0"/>
+              <a:t> interface. It behaves like a normal set with the exception that the elements are sorted internally. This means that when you iterate the elements of a </a:t>
+            </a:r>
+            <a:r>
+              <a:rPr lang="en-US" dirty="0" err="1"/>
+              <a:t>SortedSet</a:t>
+            </a:r>
+            <a:r>
+              <a:rPr lang="en-US" dirty="0"/>
+              <a:t> the elements are returned in the sorted order</a:t>
+            </a:r>
+            <a:r>
+              <a:rPr lang="en-US" dirty="0" smtClean="0"/>
+              <a:t>.</a:t>
+            </a:r>
+          </a:p>
+          <a:p>
+            <a:r>
+              <a:rPr lang="en-US" dirty="0" err="1" smtClean="0"/>
+              <a:t>NavigableSet</a:t>
+            </a:r>
+            <a:r>
+              <a:rPr lang="en-US" dirty="0" smtClean="0"/>
+              <a:t> </a:t>
+            </a:r>
+            <a:r>
+              <a:rPr lang="en-US" dirty="0"/>
+              <a:t>interface is a subtype </a:t>
+            </a:r>
+            <a:r>
+              <a:rPr lang="en-US" dirty="0" smtClean="0"/>
+              <a:t>of the</a:t>
+            </a:r>
+            <a:r>
+              <a:rPr lang="en-US" dirty="0"/>
+              <a:t> </a:t>
+            </a:r>
+            <a:r>
+              <a:rPr lang="en-US" b="1" dirty="0">
+                <a:hlinkClick r:id="rId3"/>
+              </a:rPr>
+              <a:t>java.util.SortedSet</a:t>
+            </a:r>
+            <a:r>
+              <a:rPr lang="en-US" dirty="0"/>
+              <a:t> interface. It behaves like a </a:t>
+            </a:r>
+            <a:r>
+              <a:rPr lang="en-US" dirty="0" err="1"/>
+              <a:t>SortedSet</a:t>
+            </a:r>
+            <a:r>
+              <a:rPr lang="en-US" dirty="0"/>
+              <a:t> with the exception you have navigation methods available in addition to the sorting mechanisms of the </a:t>
+            </a:r>
+            <a:r>
+              <a:rPr lang="en-US" dirty="0" err="1"/>
+              <a:t>SortedSet</a:t>
+            </a:r>
+            <a:r>
+              <a:rPr lang="en-US" dirty="0"/>
+              <a:t>.</a:t>
+            </a:r>
+            <a:endParaRPr lang="en-US" dirty="0"/>
+          </a:p>
+        </p:txBody>
+      </p:sp>
+    </p:spTree>
+    <p:extLst>
+      <p:ext uri="{BB962C8B-B14F-4D97-AF65-F5344CB8AC3E}">
+        <p14:creationId xmlns:p14="http://schemas.microsoft.com/office/powerpoint/2010/main" val="20606442"/>
+      </p:ext>
+    </p:extLst>
+  </p:cSld>
+  <p:clrMapOvr>
+    <a:masterClrMapping/>
+  </p:clrMapOvr>
+</p:sld>
+</file>
+
+<file path=ppt/slides/slide18.xml><?xml version="1.0" encoding="utf-8"?>
+<p:sld xmlns:a="http://schemas.openxmlformats.org/drawingml/2006/main" xmlns:r="http://schemas.openxmlformats.org/officeDocument/2006/relationships" xmlns:p="http://schemas.openxmlformats.org/presentationml/2006/main">
+  <p:cSld>
+    <p:spTree>
+      <p:nvGrpSpPr>
+        <p:cNvPr id="1" name=""/>
+        <p:cNvGrpSpPr/>
+        <p:nvPr/>
+      </p:nvGrpSpPr>
+      <p:grpSpPr>
+        <a:xfrm>
+          <a:off x="0" y="0"/>
+          <a:ext cx="0" cy="0"/>
+          <a:chOff x="0" y="0"/>
+          <a:chExt cx="0" cy="0"/>
+        </a:xfrm>
+      </p:grpSpPr>
+      <p:sp>
+        <p:nvSpPr>
+          <p:cNvPr id="2" name="Title 1"/>
+          <p:cNvSpPr>
+            <a:spLocks noGrp="1"/>
+          </p:cNvSpPr>
+          <p:nvPr>
+            <p:ph type="title"/>
+          </p:nvPr>
+        </p:nvSpPr>
+        <p:spPr/>
+        <p:txBody>
+          <a:bodyPr/>
+          <a:lstStyle/>
+          <a:p>
+            <a:r>
+              <a:rPr lang="en-US" dirty="0" smtClean="0"/>
+              <a:t>Maps</a:t>
+            </a:r>
+            <a:endParaRPr lang="en-US" dirty="0"/>
+          </a:p>
+        </p:txBody>
+      </p:sp>
+      <p:sp>
+        <p:nvSpPr>
+          <p:cNvPr id="3" name="Content Placeholder 2"/>
+          <p:cNvSpPr>
+            <a:spLocks noGrp="1"/>
+          </p:cNvSpPr>
+          <p:nvPr>
+            <p:ph idx="1"/>
+          </p:nvPr>
+        </p:nvSpPr>
+        <p:spPr/>
+        <p:txBody>
+          <a:bodyPr>
+            <a:normAutofit fontScale="92500" lnSpcReduction="10000"/>
+          </a:bodyPr>
+          <a:lstStyle/>
+          <a:p>
+            <a:r>
+              <a:rPr lang="en-US" dirty="0"/>
+              <a:t>The </a:t>
+            </a:r>
+            <a:r>
+              <a:rPr lang="en-US" dirty="0" err="1"/>
+              <a:t>java.util.Map</a:t>
+            </a:r>
+            <a:r>
+              <a:rPr lang="en-US" dirty="0"/>
+              <a:t> </a:t>
+            </a:r>
+            <a:r>
+              <a:rPr lang="en-US" dirty="0" smtClean="0"/>
+              <a:t>interface </a:t>
+            </a:r>
+            <a:r>
+              <a:rPr lang="en-US" dirty="0"/>
+              <a:t>represents a mapping between a key and a value. The </a:t>
+            </a:r>
+            <a:r>
+              <a:rPr lang="en-US" dirty="0"/>
+              <a:t>Map</a:t>
+            </a:r>
+            <a:r>
+              <a:rPr lang="en-US" dirty="0"/>
+              <a:t> interface is not a subtype of the </a:t>
+            </a:r>
+            <a:r>
+              <a:rPr lang="en-US" dirty="0"/>
+              <a:t>Collection</a:t>
+            </a:r>
+            <a:r>
+              <a:rPr lang="en-US" dirty="0"/>
+              <a:t> interface. Therefore it behaves a bit different from the rest of the </a:t>
+            </a:r>
+            <a:r>
+              <a:rPr lang="en-US" dirty="0" smtClean="0"/>
+              <a:t>collection </a:t>
+            </a:r>
+            <a:r>
+              <a:rPr lang="en-US" dirty="0"/>
+              <a:t>types</a:t>
+            </a:r>
+            <a:r>
+              <a:rPr lang="en-US" dirty="0" smtClean="0"/>
+              <a:t>.</a:t>
+            </a:r>
+          </a:p>
+          <a:p>
+            <a:r>
+              <a:rPr lang="en-US" dirty="0" smtClean="0"/>
+              <a:t>Implementations:</a:t>
+            </a:r>
+          </a:p>
+          <a:p>
+            <a:pPr lvl="1"/>
+            <a:r>
+              <a:rPr lang="en-US" dirty="0" err="1"/>
+              <a:t>java.util.HashMap</a:t>
+            </a:r>
+            <a:endParaRPr lang="en-US" dirty="0"/>
+          </a:p>
+          <a:p>
+            <a:pPr lvl="1"/>
+            <a:r>
+              <a:rPr lang="en-US" dirty="0" err="1"/>
+              <a:t>java.util.Hashtable</a:t>
+            </a:r>
+            <a:endParaRPr lang="en-US" dirty="0"/>
+          </a:p>
+          <a:p>
+            <a:pPr lvl="1"/>
+            <a:r>
+              <a:rPr lang="en-US" dirty="0" err="1"/>
+              <a:t>java.util.EnumMap</a:t>
+            </a:r>
+            <a:endParaRPr lang="en-US" dirty="0"/>
+          </a:p>
+          <a:p>
+            <a:pPr lvl="1"/>
+            <a:r>
+              <a:rPr lang="en-US" dirty="0" err="1"/>
+              <a:t>java.util.IdentityHashMap</a:t>
+            </a:r>
+            <a:endParaRPr lang="en-US" dirty="0"/>
+          </a:p>
+          <a:p>
+            <a:pPr lvl="1"/>
+            <a:r>
+              <a:rPr lang="en-US" dirty="0" err="1"/>
+              <a:t>java.util.LinkedHashMap</a:t>
+            </a:r>
+            <a:endParaRPr lang="en-US" dirty="0"/>
+          </a:p>
+          <a:p>
+            <a:pPr lvl="1"/>
+            <a:r>
+              <a:rPr lang="en-US" dirty="0" err="1"/>
+              <a:t>java.util.Properties</a:t>
+            </a:r>
+            <a:endParaRPr lang="en-US" dirty="0"/>
+          </a:p>
+          <a:p>
+            <a:pPr lvl="1"/>
+            <a:r>
+              <a:rPr lang="en-US" dirty="0" err="1"/>
+              <a:t>java.util.TreeMap</a:t>
+            </a:r>
+            <a:endParaRPr lang="en-US" dirty="0"/>
+          </a:p>
+          <a:p>
+            <a:pPr lvl="1"/>
+            <a:r>
+              <a:rPr lang="en-US" dirty="0" err="1"/>
+              <a:t>java.util.WeakHashMap</a:t>
+            </a:r>
+            <a:endParaRPr lang="en-US" dirty="0"/>
+          </a:p>
+          <a:p>
+            <a:endParaRPr lang="en-US" dirty="0"/>
+          </a:p>
+        </p:txBody>
+      </p:sp>
+    </p:spTree>
+    <p:extLst>
+      <p:ext uri="{BB962C8B-B14F-4D97-AF65-F5344CB8AC3E}">
+        <p14:creationId xmlns:p14="http://schemas.microsoft.com/office/powerpoint/2010/main" val="291712082"/>
+      </p:ext>
+    </p:extLst>
+  </p:cSld>
+  <p:clrMapOvr>
+    <a:masterClrMapping/>
+  </p:clrMapOvr>
+</p:sld>
+</file>
+
+<file path=ppt/slides/slide19.xml><?xml version="1.0" encoding="utf-8"?>
+<p:sld xmlns:a="http://schemas.openxmlformats.org/drawingml/2006/main" xmlns:r="http://schemas.openxmlformats.org/officeDocument/2006/relationships" xmlns:p="http://schemas.openxmlformats.org/presentationml/2006/main">
+  <p:cSld>
+    <p:spTree>
+      <p:nvGrpSpPr>
+        <p:cNvPr id="1" name=""/>
+        <p:cNvGrpSpPr/>
+        <p:nvPr/>
+      </p:nvGrpSpPr>
+      <p:grpSpPr>
+        <a:xfrm>
+          <a:off x="0" y="0"/>
+          <a:ext cx="0" cy="0"/>
+          <a:chOff x="0" y="0"/>
+          <a:chExt cx="0" cy="0"/>
+        </a:xfrm>
+      </p:grpSpPr>
+      <p:sp>
+        <p:nvSpPr>
+          <p:cNvPr id="2" name="Title 1"/>
+          <p:cNvSpPr>
+            <a:spLocks noGrp="1"/>
+          </p:cNvSpPr>
+          <p:nvPr>
+            <p:ph type="title"/>
+          </p:nvPr>
+        </p:nvSpPr>
+        <p:spPr/>
+        <p:txBody>
+          <a:bodyPr/>
+          <a:lstStyle/>
+          <a:p>
+            <a:r>
+              <a:rPr lang="en-US" dirty="0" err="1" smtClean="0"/>
+              <a:t>HashMap</a:t>
+            </a:r>
+            <a:endParaRPr lang="en-US" dirty="0"/>
+          </a:p>
+        </p:txBody>
+      </p:sp>
+      <p:sp>
+        <p:nvSpPr>
+          <p:cNvPr id="3" name="Content Placeholder 2"/>
+          <p:cNvSpPr>
+            <a:spLocks noGrp="1"/>
+          </p:cNvSpPr>
+          <p:nvPr>
+            <p:ph idx="1"/>
+          </p:nvPr>
+        </p:nvSpPr>
+        <p:spPr>
+          <a:xfrm>
+            <a:off x="6315074" y="1825625"/>
+            <a:ext cx="5038725" cy="4351338"/>
+          </a:xfrm>
+        </p:spPr>
+        <p:txBody>
+          <a:bodyPr/>
+          <a:lstStyle/>
+          <a:p>
+            <a:r>
+              <a:rPr lang="en-US" dirty="0" smtClean="0"/>
+              <a:t>Adding Elements</a:t>
+            </a:r>
+          </a:p>
+          <a:p>
+            <a:endParaRPr lang="en-US" dirty="0"/>
+          </a:p>
+          <a:p>
+            <a:endParaRPr lang="en-US" dirty="0" smtClean="0"/>
+          </a:p>
+          <a:p>
+            <a:r>
+              <a:rPr lang="en-US" dirty="0" smtClean="0"/>
+              <a:t>Getting a value from a Map</a:t>
+            </a:r>
+          </a:p>
+          <a:p>
+            <a:endParaRPr lang="en-US" dirty="0"/>
+          </a:p>
+          <a:p>
+            <a:r>
+              <a:rPr lang="en-US" dirty="0" smtClean="0"/>
+              <a:t>Iterate though keys to get the values</a:t>
+            </a:r>
+            <a:endParaRPr lang="en-US" dirty="0"/>
+          </a:p>
+        </p:txBody>
+      </p:sp>
+      <p:pic>
+        <p:nvPicPr>
+          <p:cNvPr id="4" name="Picture 3"/>
+          <p:cNvPicPr>
+            <a:picLocks noChangeAspect="1"/>
+          </p:cNvPicPr>
+          <p:nvPr/>
+        </p:nvPicPr>
+        <p:blipFill>
+          <a:blip r:embed="rId2">
+            <a:extLst>
+              <a:ext uri="{28A0092B-C50C-407E-A947-70E740481C1C}">
+                <a14:useLocalDpi xmlns:a14="http://schemas.microsoft.com/office/drawing/2010/main" val="0"/>
+              </a:ext>
+            </a:extLst>
+          </a:blip>
+          <a:stretch>
+            <a:fillRect/>
+          </a:stretch>
+        </p:blipFill>
+        <p:spPr>
+          <a:xfrm>
+            <a:off x="838200" y="1825625"/>
+            <a:ext cx="4546600" cy="1422400"/>
+          </a:xfrm>
+          <a:prstGeom prst="rect">
+            <a:avLst/>
+          </a:prstGeom>
+        </p:spPr>
+      </p:pic>
+      <p:pic>
+        <p:nvPicPr>
+          <p:cNvPr id="5" name="Picture 4"/>
+          <p:cNvPicPr>
+            <a:picLocks noChangeAspect="1"/>
+          </p:cNvPicPr>
+          <p:nvPr/>
+        </p:nvPicPr>
+        <p:blipFill>
+          <a:blip r:embed="rId3">
+            <a:extLst>
+              <a:ext uri="{28A0092B-C50C-407E-A947-70E740481C1C}">
+                <a14:useLocalDpi xmlns:a14="http://schemas.microsoft.com/office/drawing/2010/main" val="0"/>
+              </a:ext>
+            </a:extLst>
+          </a:blip>
+          <a:stretch>
+            <a:fillRect/>
+          </a:stretch>
+        </p:blipFill>
+        <p:spPr>
+          <a:xfrm>
+            <a:off x="501650" y="3417887"/>
+            <a:ext cx="5219700" cy="558800"/>
+          </a:xfrm>
+          <a:prstGeom prst="rect">
+            <a:avLst/>
+          </a:prstGeom>
+        </p:spPr>
+      </p:pic>
+      <p:pic>
+        <p:nvPicPr>
+          <p:cNvPr id="6" name="Picture 5"/>
+          <p:cNvPicPr>
+            <a:picLocks noChangeAspect="1"/>
+          </p:cNvPicPr>
+          <p:nvPr/>
+        </p:nvPicPr>
+        <p:blipFill>
+          <a:blip r:embed="rId4">
+            <a:extLst>
+              <a:ext uri="{28A0092B-C50C-407E-A947-70E740481C1C}">
+                <a14:useLocalDpi xmlns:a14="http://schemas.microsoft.com/office/drawing/2010/main" val="0"/>
+              </a:ext>
+            </a:extLst>
+          </a:blip>
+          <a:stretch>
+            <a:fillRect/>
+          </a:stretch>
+        </p:blipFill>
+        <p:spPr>
+          <a:xfrm>
+            <a:off x="642937" y="4291012"/>
+            <a:ext cx="5207000" cy="2425700"/>
+          </a:xfrm>
+          <a:prstGeom prst="rect">
+            <a:avLst/>
+          </a:prstGeom>
+        </p:spPr>
+      </p:pic>
+    </p:spTree>
+    <p:extLst>
+      <p:ext uri="{BB962C8B-B14F-4D97-AF65-F5344CB8AC3E}">
+        <p14:creationId xmlns:p14="http://schemas.microsoft.com/office/powerpoint/2010/main" val="91183284"/>
+      </p:ext>
+    </p:extLst>
+  </p:cSld>
+  <p:clrMapOvr>
+    <a:masterClrMapping/>
+  </p:clrMapOvr>
+</p:sld>
+</file>
+
 <file path=ppt/slides/slide2.xml><?xml version="1.0" encoding="utf-8"?>
 <p:sld xmlns:a="http://schemas.openxmlformats.org/drawingml/2006/main" xmlns:r="http://schemas.openxmlformats.org/officeDocument/2006/relationships" xmlns:p="http://schemas.openxmlformats.org/presentationml/2006/main">
   <p:cSld>
@@ -4268,6 +4846,935 @@
       </p:par>
     </p:tnLst>
   </p:timing>
+</p:sld>
+</file>
+
+<file path=ppt/slides/slide20.xml><?xml version="1.0" encoding="utf-8"?>
+<p:sld xmlns:a="http://schemas.openxmlformats.org/drawingml/2006/main" xmlns:r="http://schemas.openxmlformats.org/officeDocument/2006/relationships" xmlns:p="http://schemas.openxmlformats.org/presentationml/2006/main">
+  <p:cSld>
+    <p:spTree>
+      <p:nvGrpSpPr>
+        <p:cNvPr id="1" name=""/>
+        <p:cNvGrpSpPr/>
+        <p:nvPr/>
+      </p:nvGrpSpPr>
+      <p:grpSpPr>
+        <a:xfrm>
+          <a:off x="0" y="0"/>
+          <a:ext cx="0" cy="0"/>
+          <a:chOff x="0" y="0"/>
+          <a:chExt cx="0" cy="0"/>
+        </a:xfrm>
+      </p:grpSpPr>
+      <p:sp>
+        <p:nvSpPr>
+          <p:cNvPr id="2" name="Title 1"/>
+          <p:cNvSpPr>
+            <a:spLocks noGrp="1"/>
+          </p:cNvSpPr>
+          <p:nvPr>
+            <p:ph type="title"/>
+          </p:nvPr>
+        </p:nvSpPr>
+        <p:spPr/>
+        <p:txBody>
+          <a:bodyPr/>
+          <a:lstStyle/>
+          <a:p>
+            <a:r>
+              <a:rPr lang="en-US" dirty="0" smtClean="0"/>
+              <a:t>Exercise</a:t>
+            </a:r>
+            <a:endParaRPr lang="en-US" dirty="0"/>
+          </a:p>
+        </p:txBody>
+      </p:sp>
+      <p:sp>
+        <p:nvSpPr>
+          <p:cNvPr id="3" name="Content Placeholder 2"/>
+          <p:cNvSpPr>
+            <a:spLocks noGrp="1"/>
+          </p:cNvSpPr>
+          <p:nvPr>
+            <p:ph idx="1"/>
+          </p:nvPr>
+        </p:nvSpPr>
+        <p:spPr/>
+        <p:txBody>
+          <a:bodyPr/>
+          <a:lstStyle/>
+          <a:p>
+            <a:r>
+              <a:rPr lang="en-US" dirty="0" smtClean="0"/>
+              <a:t>Refactor the Ingredients implementation using </a:t>
+            </a:r>
+            <a:r>
+              <a:rPr lang="en-US" dirty="0" err="1" smtClean="0"/>
+              <a:t>HashMaps</a:t>
+            </a:r>
+            <a:endParaRPr lang="en-US" dirty="0" smtClean="0"/>
+          </a:p>
+          <a:p>
+            <a:endParaRPr lang="en-US" dirty="0"/>
+          </a:p>
+        </p:txBody>
+      </p:sp>
+    </p:spTree>
+    <p:extLst>
+      <p:ext uri="{BB962C8B-B14F-4D97-AF65-F5344CB8AC3E}">
+        <p14:creationId xmlns:p14="http://schemas.microsoft.com/office/powerpoint/2010/main" val="1521275181"/>
+      </p:ext>
+    </p:extLst>
+  </p:cSld>
+  <p:clrMapOvr>
+    <a:masterClrMapping/>
+  </p:clrMapOvr>
+</p:sld>
+</file>
+
+<file path=ppt/slides/slide21.xml><?xml version="1.0" encoding="utf-8"?>
+<p:sld xmlns:a="http://schemas.openxmlformats.org/drawingml/2006/main" xmlns:r="http://schemas.openxmlformats.org/officeDocument/2006/relationships" xmlns:p="http://schemas.openxmlformats.org/presentationml/2006/main">
+  <p:cSld>
+    <p:spTree>
+      <p:nvGrpSpPr>
+        <p:cNvPr id="1" name=""/>
+        <p:cNvGrpSpPr/>
+        <p:nvPr/>
+      </p:nvGrpSpPr>
+      <p:grpSpPr>
+        <a:xfrm>
+          <a:off x="0" y="0"/>
+          <a:ext cx="0" cy="0"/>
+          <a:chOff x="0" y="0"/>
+          <a:chExt cx="0" cy="0"/>
+        </a:xfrm>
+      </p:grpSpPr>
+      <p:sp>
+        <p:nvSpPr>
+          <p:cNvPr id="2" name="Title 1"/>
+          <p:cNvSpPr>
+            <a:spLocks noGrp="1"/>
+          </p:cNvSpPr>
+          <p:nvPr>
+            <p:ph type="title"/>
+          </p:nvPr>
+        </p:nvSpPr>
+        <p:spPr/>
+        <p:txBody>
+          <a:bodyPr/>
+          <a:lstStyle/>
+          <a:p>
+            <a:r>
+              <a:rPr lang="en-US" dirty="0" smtClean="0"/>
+              <a:t>Other Types of Maps</a:t>
+            </a:r>
+            <a:endParaRPr lang="en-US" dirty="0"/>
+          </a:p>
+        </p:txBody>
+      </p:sp>
+      <p:sp>
+        <p:nvSpPr>
+          <p:cNvPr id="3" name="Content Placeholder 2"/>
+          <p:cNvSpPr>
+            <a:spLocks noGrp="1"/>
+          </p:cNvSpPr>
+          <p:nvPr>
+            <p:ph idx="1"/>
+          </p:nvPr>
+        </p:nvSpPr>
+        <p:spPr/>
+        <p:txBody>
+          <a:bodyPr/>
+          <a:lstStyle/>
+          <a:p>
+            <a:r>
+              <a:rPr lang="en-US" dirty="0" err="1" smtClean="0"/>
+              <a:t>SortedMap</a:t>
+            </a:r>
+            <a:r>
+              <a:rPr lang="en-US" dirty="0" smtClean="0"/>
+              <a:t> </a:t>
+            </a:r>
+            <a:r>
+              <a:rPr lang="en-US" dirty="0"/>
+              <a:t>interface is a subtype of the </a:t>
+            </a:r>
+            <a:r>
+              <a:rPr lang="en-US" b="1" dirty="0">
+                <a:hlinkClick r:id="rId2"/>
+              </a:rPr>
+              <a:t>java.util.Map</a:t>
+            </a:r>
+            <a:r>
+              <a:rPr lang="en-US" dirty="0"/>
+              <a:t> interface, with the addition that the elements stored in the map are sorted internally</a:t>
+            </a:r>
+            <a:r>
+              <a:rPr lang="en-US" dirty="0" smtClean="0"/>
+              <a:t>.</a:t>
+            </a:r>
+          </a:p>
+          <a:p>
+            <a:endParaRPr lang="en-US" dirty="0"/>
+          </a:p>
+          <a:p>
+            <a:r>
+              <a:rPr lang="en-US" dirty="0" err="1" smtClean="0"/>
+              <a:t>NavigableMap</a:t>
+            </a:r>
+            <a:r>
+              <a:rPr lang="en-US" dirty="0" smtClean="0"/>
+              <a:t> </a:t>
+            </a:r>
+            <a:r>
+              <a:rPr lang="en-US" dirty="0"/>
+              <a:t>interface is a subtype of the </a:t>
+            </a:r>
+            <a:r>
+              <a:rPr lang="en-US" b="1" dirty="0">
+                <a:hlinkClick r:id="rId3"/>
+              </a:rPr>
+              <a:t>java.util.SortedMap</a:t>
+            </a:r>
+            <a:r>
+              <a:rPr lang="en-US" dirty="0"/>
+              <a:t> interface. It has a few extensions to the </a:t>
+            </a:r>
+            <a:r>
+              <a:rPr lang="en-US" dirty="0" err="1"/>
+              <a:t>SortedSet</a:t>
+            </a:r>
+            <a:r>
+              <a:rPr lang="en-US" dirty="0"/>
+              <a:t> which makes it possible to navigate the map. </a:t>
+            </a:r>
+            <a:endParaRPr lang="en-US" dirty="0"/>
+          </a:p>
+        </p:txBody>
+      </p:sp>
+    </p:spTree>
+    <p:extLst>
+      <p:ext uri="{BB962C8B-B14F-4D97-AF65-F5344CB8AC3E}">
+        <p14:creationId xmlns:p14="http://schemas.microsoft.com/office/powerpoint/2010/main" val="1238554900"/>
+      </p:ext>
+    </p:extLst>
+  </p:cSld>
+  <p:clrMapOvr>
+    <a:masterClrMapping/>
+  </p:clrMapOvr>
+</p:sld>
+</file>
+
+<file path=ppt/slides/slide22.xml><?xml version="1.0" encoding="utf-8"?>
+<p:sld xmlns:a="http://schemas.openxmlformats.org/drawingml/2006/main" xmlns:r="http://schemas.openxmlformats.org/officeDocument/2006/relationships" xmlns:p="http://schemas.openxmlformats.org/presentationml/2006/main">
+  <p:cSld>
+    <p:spTree>
+      <p:nvGrpSpPr>
+        <p:cNvPr id="1" name=""/>
+        <p:cNvGrpSpPr/>
+        <p:nvPr/>
+      </p:nvGrpSpPr>
+      <p:grpSpPr>
+        <a:xfrm>
+          <a:off x="0" y="0"/>
+          <a:ext cx="0" cy="0"/>
+          <a:chOff x="0" y="0"/>
+          <a:chExt cx="0" cy="0"/>
+        </a:xfrm>
+      </p:grpSpPr>
+      <p:sp>
+        <p:nvSpPr>
+          <p:cNvPr id="2" name="Title 1"/>
+          <p:cNvSpPr>
+            <a:spLocks noGrp="1"/>
+          </p:cNvSpPr>
+          <p:nvPr>
+            <p:ph type="title"/>
+          </p:nvPr>
+        </p:nvSpPr>
+        <p:spPr/>
+        <p:txBody>
+          <a:bodyPr/>
+          <a:lstStyle/>
+          <a:p>
+            <a:r>
+              <a:rPr lang="en-US" dirty="0" smtClean="0"/>
+              <a:t>Queue</a:t>
+            </a:r>
+            <a:endParaRPr lang="en-US" dirty="0"/>
+          </a:p>
+        </p:txBody>
+      </p:sp>
+      <p:sp>
+        <p:nvSpPr>
+          <p:cNvPr id="3" name="Content Placeholder 2"/>
+          <p:cNvSpPr>
+            <a:spLocks noGrp="1"/>
+          </p:cNvSpPr>
+          <p:nvPr>
+            <p:ph idx="1"/>
+          </p:nvPr>
+        </p:nvSpPr>
+        <p:spPr/>
+        <p:txBody>
+          <a:bodyPr>
+            <a:normAutofit/>
+          </a:bodyPr>
+          <a:lstStyle/>
+          <a:p>
+            <a:r>
+              <a:rPr lang="en-US" dirty="0"/>
+              <a:t>The </a:t>
+            </a:r>
+            <a:r>
+              <a:rPr lang="en-US" dirty="0" err="1"/>
+              <a:t>java.util.Queue</a:t>
+            </a:r>
+            <a:r>
+              <a:rPr lang="en-US" dirty="0"/>
+              <a:t> interface is a subtype of the </a:t>
+            </a:r>
+            <a:r>
+              <a:rPr lang="en-US" b="1" dirty="0">
+                <a:hlinkClick r:id="rId2"/>
+              </a:rPr>
+              <a:t>java.util.Collection</a:t>
+            </a:r>
+            <a:r>
+              <a:rPr lang="en-US" dirty="0"/>
+              <a:t> interface. It represents an ordered list of objects just like a </a:t>
+            </a:r>
+            <a:r>
+              <a:rPr lang="en-US" dirty="0"/>
+              <a:t>List</a:t>
+            </a:r>
+            <a:r>
+              <a:rPr lang="en-US" dirty="0"/>
+              <a:t>, but its intended use is slightly different. A queue is designed to have elements inserted at the end of the queue, and elements removed from the beginning of the queue. Just like a queue in a supermarket</a:t>
+            </a:r>
+            <a:r>
+              <a:rPr lang="en-US" dirty="0" smtClean="0"/>
+              <a:t>.</a:t>
+            </a:r>
+          </a:p>
+          <a:p>
+            <a:endParaRPr lang="en-US" dirty="0"/>
+          </a:p>
+          <a:p>
+            <a:r>
+              <a:rPr lang="en-US" dirty="0" smtClean="0"/>
+              <a:t>Implementations:</a:t>
+            </a:r>
+          </a:p>
+          <a:p>
+            <a:pPr lvl="1"/>
+            <a:r>
+              <a:rPr lang="en-US" dirty="0" err="1"/>
+              <a:t>java.util.LinkedList</a:t>
+            </a:r>
+            <a:endParaRPr lang="en-US" dirty="0"/>
+          </a:p>
+          <a:p>
+            <a:pPr lvl="1"/>
+            <a:r>
+              <a:rPr lang="en-US" dirty="0" err="1"/>
+              <a:t>java.util.PriorityQueue</a:t>
+            </a:r>
+            <a:endParaRPr lang="en-US" dirty="0"/>
+          </a:p>
+          <a:p>
+            <a:endParaRPr lang="en-US" dirty="0"/>
+          </a:p>
+        </p:txBody>
+      </p:sp>
+    </p:spTree>
+    <p:extLst>
+      <p:ext uri="{BB962C8B-B14F-4D97-AF65-F5344CB8AC3E}">
+        <p14:creationId xmlns:p14="http://schemas.microsoft.com/office/powerpoint/2010/main" val="1045582468"/>
+      </p:ext>
+    </p:extLst>
+  </p:cSld>
+  <p:clrMapOvr>
+    <a:masterClrMapping/>
+  </p:clrMapOvr>
+</p:sld>
+</file>
+
+<file path=ppt/slides/slide23.xml><?xml version="1.0" encoding="utf-8"?>
+<p:sld xmlns:a="http://schemas.openxmlformats.org/drawingml/2006/main" xmlns:r="http://schemas.openxmlformats.org/officeDocument/2006/relationships" xmlns:p="http://schemas.openxmlformats.org/presentationml/2006/main">
+  <p:cSld>
+    <p:spTree>
+      <p:nvGrpSpPr>
+        <p:cNvPr id="1" name=""/>
+        <p:cNvGrpSpPr/>
+        <p:nvPr/>
+      </p:nvGrpSpPr>
+      <p:grpSpPr>
+        <a:xfrm>
+          <a:off x="0" y="0"/>
+          <a:ext cx="0" cy="0"/>
+          <a:chOff x="0" y="0"/>
+          <a:chExt cx="0" cy="0"/>
+        </a:xfrm>
+      </p:grpSpPr>
+      <p:sp>
+        <p:nvSpPr>
+          <p:cNvPr id="2" name="Title 1"/>
+          <p:cNvSpPr>
+            <a:spLocks noGrp="1"/>
+          </p:cNvSpPr>
+          <p:nvPr>
+            <p:ph type="title"/>
+          </p:nvPr>
+        </p:nvSpPr>
+        <p:spPr/>
+        <p:txBody>
+          <a:bodyPr/>
+          <a:lstStyle/>
+          <a:p>
+            <a:r>
+              <a:rPr lang="en-US" dirty="0" smtClean="0"/>
+              <a:t>Queue</a:t>
+            </a:r>
+            <a:endParaRPr lang="en-US" dirty="0"/>
+          </a:p>
+        </p:txBody>
+      </p:sp>
+      <p:sp>
+        <p:nvSpPr>
+          <p:cNvPr id="3" name="Content Placeholder 2"/>
+          <p:cNvSpPr>
+            <a:spLocks noGrp="1"/>
+          </p:cNvSpPr>
+          <p:nvPr>
+            <p:ph idx="1"/>
+          </p:nvPr>
+        </p:nvSpPr>
+        <p:spPr>
+          <a:xfrm>
+            <a:off x="5937812" y="1567657"/>
+            <a:ext cx="5415987" cy="4609306"/>
+          </a:xfrm>
+        </p:spPr>
+        <p:txBody>
+          <a:bodyPr/>
+          <a:lstStyle/>
+          <a:p>
+            <a:r>
+              <a:rPr lang="en-US" dirty="0" smtClean="0"/>
+              <a:t>Creating a Linked list</a:t>
+            </a:r>
+          </a:p>
+          <a:p>
+            <a:endParaRPr lang="en-US" dirty="0"/>
+          </a:p>
+          <a:p>
+            <a:endParaRPr lang="en-US" dirty="0" smtClean="0"/>
+          </a:p>
+          <a:p>
+            <a:endParaRPr lang="en-US" dirty="0"/>
+          </a:p>
+          <a:p>
+            <a:r>
+              <a:rPr lang="en-US" dirty="0" smtClean="0"/>
+              <a:t>Peeking in the first element</a:t>
+            </a:r>
+          </a:p>
+          <a:p>
+            <a:endParaRPr lang="en-US" dirty="0"/>
+          </a:p>
+          <a:p>
+            <a:r>
+              <a:rPr lang="en-US" dirty="0" smtClean="0"/>
+              <a:t>”Using” the first element</a:t>
+            </a:r>
+          </a:p>
+        </p:txBody>
+      </p:sp>
+      <p:pic>
+        <p:nvPicPr>
+          <p:cNvPr id="4" name="Content Placeholder 3"/>
+          <p:cNvPicPr>
+            <a:picLocks noChangeAspect="1"/>
+          </p:cNvPicPr>
+          <p:nvPr/>
+        </p:nvPicPr>
+        <p:blipFill>
+          <a:blip r:embed="rId2">
+            <a:extLst>
+              <a:ext uri="{28A0092B-C50C-407E-A947-70E740481C1C}">
+                <a14:useLocalDpi xmlns:a14="http://schemas.microsoft.com/office/drawing/2010/main" val="0"/>
+              </a:ext>
+            </a:extLst>
+          </a:blip>
+          <a:stretch>
+            <a:fillRect/>
+          </a:stretch>
+        </p:blipFill>
+        <p:spPr>
+          <a:xfrm>
+            <a:off x="426243" y="1567657"/>
+            <a:ext cx="3746500" cy="1295400"/>
+          </a:xfrm>
+          <a:prstGeom prst="rect">
+            <a:avLst/>
+          </a:prstGeom>
+        </p:spPr>
+      </p:pic>
+      <p:pic>
+        <p:nvPicPr>
+          <p:cNvPr id="5" name="Picture 4"/>
+          <p:cNvPicPr>
+            <a:picLocks noChangeAspect="1"/>
+          </p:cNvPicPr>
+          <p:nvPr/>
+        </p:nvPicPr>
+        <p:blipFill>
+          <a:blip r:embed="rId3">
+            <a:extLst>
+              <a:ext uri="{28A0092B-C50C-407E-A947-70E740481C1C}">
+                <a14:useLocalDpi xmlns:a14="http://schemas.microsoft.com/office/drawing/2010/main" val="0"/>
+              </a:ext>
+            </a:extLst>
+          </a:blip>
+          <a:stretch>
+            <a:fillRect/>
+          </a:stretch>
+        </p:blipFill>
+        <p:spPr>
+          <a:xfrm>
+            <a:off x="426243" y="3534568"/>
+            <a:ext cx="4318000" cy="584200"/>
+          </a:xfrm>
+          <a:prstGeom prst="rect">
+            <a:avLst/>
+          </a:prstGeom>
+        </p:spPr>
+      </p:pic>
+      <p:pic>
+        <p:nvPicPr>
+          <p:cNvPr id="6" name="Picture 5"/>
+          <p:cNvPicPr>
+            <a:picLocks noChangeAspect="1"/>
+          </p:cNvPicPr>
+          <p:nvPr/>
+        </p:nvPicPr>
+        <p:blipFill>
+          <a:blip r:embed="rId4">
+            <a:extLst>
+              <a:ext uri="{28A0092B-C50C-407E-A947-70E740481C1C}">
+                <a14:useLocalDpi xmlns:a14="http://schemas.microsoft.com/office/drawing/2010/main" val="0"/>
+              </a:ext>
+            </a:extLst>
+          </a:blip>
+          <a:stretch>
+            <a:fillRect/>
+          </a:stretch>
+        </p:blipFill>
+        <p:spPr>
+          <a:xfrm>
+            <a:off x="426243" y="4756150"/>
+            <a:ext cx="4140200" cy="558800"/>
+          </a:xfrm>
+          <a:prstGeom prst="rect">
+            <a:avLst/>
+          </a:prstGeom>
+        </p:spPr>
+      </p:pic>
+    </p:spTree>
+    <p:extLst>
+      <p:ext uri="{BB962C8B-B14F-4D97-AF65-F5344CB8AC3E}">
+        <p14:creationId xmlns:p14="http://schemas.microsoft.com/office/powerpoint/2010/main" val="367501972"/>
+      </p:ext>
+    </p:extLst>
+  </p:cSld>
+  <p:clrMapOvr>
+    <a:masterClrMapping/>
+  </p:clrMapOvr>
+</p:sld>
+</file>
+
+<file path=ppt/slides/slide24.xml><?xml version="1.0" encoding="utf-8"?>
+<p:sld xmlns:a="http://schemas.openxmlformats.org/drawingml/2006/main" xmlns:r="http://schemas.openxmlformats.org/officeDocument/2006/relationships" xmlns:p="http://schemas.openxmlformats.org/presentationml/2006/main">
+  <p:cSld>
+    <p:spTree>
+      <p:nvGrpSpPr>
+        <p:cNvPr id="1" name=""/>
+        <p:cNvGrpSpPr/>
+        <p:nvPr/>
+      </p:nvGrpSpPr>
+      <p:grpSpPr>
+        <a:xfrm>
+          <a:off x="0" y="0"/>
+          <a:ext cx="0" cy="0"/>
+          <a:chOff x="0" y="0"/>
+          <a:chExt cx="0" cy="0"/>
+        </a:xfrm>
+      </p:grpSpPr>
+      <p:sp>
+        <p:nvSpPr>
+          <p:cNvPr id="2" name="Title 1"/>
+          <p:cNvSpPr>
+            <a:spLocks noGrp="1"/>
+          </p:cNvSpPr>
+          <p:nvPr>
+            <p:ph type="title"/>
+          </p:nvPr>
+        </p:nvSpPr>
+        <p:spPr/>
+        <p:txBody>
+          <a:bodyPr/>
+          <a:lstStyle/>
+          <a:p>
+            <a:r>
+              <a:rPr lang="en-US" dirty="0" smtClean="0"/>
+              <a:t>Exercise</a:t>
+            </a:r>
+            <a:endParaRPr lang="en-US" dirty="0"/>
+          </a:p>
+        </p:txBody>
+      </p:sp>
+      <p:sp>
+        <p:nvSpPr>
+          <p:cNvPr id="3" name="Content Placeholder 2"/>
+          <p:cNvSpPr>
+            <a:spLocks noGrp="1"/>
+          </p:cNvSpPr>
+          <p:nvPr>
+            <p:ph idx="1"/>
+          </p:nvPr>
+        </p:nvSpPr>
+        <p:spPr/>
+        <p:txBody>
+          <a:bodyPr/>
+          <a:lstStyle/>
+          <a:p>
+            <a:r>
+              <a:rPr lang="en-US" dirty="0" smtClean="0"/>
+              <a:t>In the </a:t>
+            </a:r>
+            <a:r>
+              <a:rPr lang="en-US" dirty="0" err="1" smtClean="0"/>
+              <a:t>SmallPizza</a:t>
+            </a:r>
+            <a:r>
+              <a:rPr lang="en-US" dirty="0" smtClean="0"/>
+              <a:t> class implement a </a:t>
+            </a:r>
+            <a:r>
+              <a:rPr lang="en-US" dirty="0" err="1" smtClean="0"/>
+              <a:t>LinkedList</a:t>
+            </a:r>
+            <a:r>
+              <a:rPr lang="en-US" dirty="0" smtClean="0"/>
+              <a:t> (static) to store orders that are sent to the customer</a:t>
+            </a:r>
+          </a:p>
+          <a:p>
+            <a:r>
+              <a:rPr lang="en-US" dirty="0" smtClean="0"/>
+              <a:t>In the App remove those orders by printing them.</a:t>
+            </a:r>
+            <a:endParaRPr lang="en-US" dirty="0"/>
+          </a:p>
+        </p:txBody>
+      </p:sp>
+    </p:spTree>
+    <p:extLst>
+      <p:ext uri="{BB962C8B-B14F-4D97-AF65-F5344CB8AC3E}">
+        <p14:creationId xmlns:p14="http://schemas.microsoft.com/office/powerpoint/2010/main" val="2035596285"/>
+      </p:ext>
+    </p:extLst>
+  </p:cSld>
+  <p:clrMapOvr>
+    <a:masterClrMapping/>
+  </p:clrMapOvr>
+</p:sld>
+</file>
+
+<file path=ppt/slides/slide25.xml><?xml version="1.0" encoding="utf-8"?>
+<p:sld xmlns:a="http://schemas.openxmlformats.org/drawingml/2006/main" xmlns:r="http://schemas.openxmlformats.org/officeDocument/2006/relationships" xmlns:p="http://schemas.openxmlformats.org/presentationml/2006/main">
+  <p:cSld>
+    <p:spTree>
+      <p:nvGrpSpPr>
+        <p:cNvPr id="1" name=""/>
+        <p:cNvGrpSpPr/>
+        <p:nvPr/>
+      </p:nvGrpSpPr>
+      <p:grpSpPr>
+        <a:xfrm>
+          <a:off x="0" y="0"/>
+          <a:ext cx="0" cy="0"/>
+          <a:chOff x="0" y="0"/>
+          <a:chExt cx="0" cy="0"/>
+        </a:xfrm>
+      </p:grpSpPr>
+      <p:sp>
+        <p:nvSpPr>
+          <p:cNvPr id="2" name="Title 1"/>
+          <p:cNvSpPr>
+            <a:spLocks noGrp="1"/>
+          </p:cNvSpPr>
+          <p:nvPr>
+            <p:ph type="title"/>
+          </p:nvPr>
+        </p:nvSpPr>
+        <p:spPr/>
+        <p:txBody>
+          <a:bodyPr/>
+          <a:lstStyle/>
+          <a:p>
+            <a:r>
+              <a:rPr lang="en-US" dirty="0" smtClean="0"/>
+              <a:t>Generic Lists and Maps</a:t>
+            </a:r>
+            <a:endParaRPr lang="en-US" dirty="0"/>
+          </a:p>
+        </p:txBody>
+      </p:sp>
+      <p:sp>
+        <p:nvSpPr>
+          <p:cNvPr id="3" name="Content Placeholder 2"/>
+          <p:cNvSpPr>
+            <a:spLocks noGrp="1"/>
+          </p:cNvSpPr>
+          <p:nvPr>
+            <p:ph idx="1"/>
+          </p:nvPr>
+        </p:nvSpPr>
+        <p:spPr>
+          <a:xfrm>
+            <a:off x="6840638" y="1825625"/>
+            <a:ext cx="4513162" cy="4351338"/>
+          </a:xfrm>
+        </p:spPr>
+        <p:txBody>
+          <a:bodyPr/>
+          <a:lstStyle/>
+          <a:p>
+            <a:r>
+              <a:rPr lang="en-US" dirty="0"/>
+              <a:t>By default you can put any Object into a List, but from Java 5, Java Generics makes it possible to limit the types of object you can insert into a List. </a:t>
+            </a:r>
+            <a:endParaRPr lang="en-US" dirty="0" smtClean="0"/>
+          </a:p>
+          <a:p>
+            <a:endParaRPr lang="en-US" dirty="0"/>
+          </a:p>
+          <a:p>
+            <a:r>
+              <a:rPr lang="en-US" dirty="0" smtClean="0"/>
+              <a:t>Here </a:t>
+            </a:r>
+            <a:r>
+              <a:rPr lang="en-US" dirty="0"/>
+              <a:t>is an </a:t>
+            </a:r>
+            <a:r>
+              <a:rPr lang="en-US" dirty="0" smtClean="0"/>
+              <a:t>example</a:t>
+            </a:r>
+            <a:r>
+              <a:rPr lang="en-US" dirty="0"/>
+              <a:t/>
+            </a:r>
+            <a:br>
+              <a:rPr lang="en-US" dirty="0"/>
+            </a:br>
+            <a:endParaRPr lang="en-US" dirty="0"/>
+          </a:p>
+        </p:txBody>
+      </p:sp>
+      <p:pic>
+        <p:nvPicPr>
+          <p:cNvPr id="4" name="Picture 3"/>
+          <p:cNvPicPr>
+            <a:picLocks noChangeAspect="1"/>
+          </p:cNvPicPr>
+          <p:nvPr/>
+        </p:nvPicPr>
+        <p:blipFill>
+          <a:blip r:embed="rId2">
+            <a:extLst>
+              <a:ext uri="{28A0092B-C50C-407E-A947-70E740481C1C}">
+                <a14:useLocalDpi xmlns:a14="http://schemas.microsoft.com/office/drawing/2010/main" val="0"/>
+              </a:ext>
+            </a:extLst>
+          </a:blip>
+          <a:stretch>
+            <a:fillRect/>
+          </a:stretch>
+        </p:blipFill>
+        <p:spPr>
+          <a:xfrm>
+            <a:off x="825500" y="1667669"/>
+            <a:ext cx="5270500" cy="635000"/>
+          </a:xfrm>
+          <a:prstGeom prst="rect">
+            <a:avLst/>
+          </a:prstGeom>
+        </p:spPr>
+      </p:pic>
+      <p:pic>
+        <p:nvPicPr>
+          <p:cNvPr id="5" name="Picture 4"/>
+          <p:cNvPicPr>
+            <a:picLocks noChangeAspect="1"/>
+          </p:cNvPicPr>
+          <p:nvPr/>
+        </p:nvPicPr>
+        <p:blipFill>
+          <a:blip r:embed="rId3">
+            <a:extLst>
+              <a:ext uri="{28A0092B-C50C-407E-A947-70E740481C1C}">
+                <a14:useLocalDpi xmlns:a14="http://schemas.microsoft.com/office/drawing/2010/main" val="0"/>
+              </a:ext>
+            </a:extLst>
+          </a:blip>
+          <a:stretch>
+            <a:fillRect/>
+          </a:stretch>
+        </p:blipFill>
+        <p:spPr>
+          <a:xfrm>
+            <a:off x="1492250" y="2862263"/>
+            <a:ext cx="3937000" cy="1485900"/>
+          </a:xfrm>
+          <a:prstGeom prst="rect">
+            <a:avLst/>
+          </a:prstGeom>
+        </p:spPr>
+      </p:pic>
+      <p:pic>
+        <p:nvPicPr>
+          <p:cNvPr id="6" name="Picture 5"/>
+          <p:cNvPicPr>
+            <a:picLocks noChangeAspect="1"/>
+          </p:cNvPicPr>
+          <p:nvPr/>
+        </p:nvPicPr>
+        <p:blipFill>
+          <a:blip r:embed="rId4">
+            <a:extLst>
+              <a:ext uri="{28A0092B-C50C-407E-A947-70E740481C1C}">
+                <a14:useLocalDpi xmlns:a14="http://schemas.microsoft.com/office/drawing/2010/main" val="0"/>
+              </a:ext>
+            </a:extLst>
+          </a:blip>
+          <a:stretch>
+            <a:fillRect/>
+          </a:stretch>
+        </p:blipFill>
+        <p:spPr>
+          <a:xfrm>
+            <a:off x="838200" y="4678362"/>
+            <a:ext cx="5435600" cy="1562100"/>
+          </a:xfrm>
+          <a:prstGeom prst="rect">
+            <a:avLst/>
+          </a:prstGeom>
+        </p:spPr>
+      </p:pic>
+    </p:spTree>
+    <p:extLst>
+      <p:ext uri="{BB962C8B-B14F-4D97-AF65-F5344CB8AC3E}">
+        <p14:creationId xmlns:p14="http://schemas.microsoft.com/office/powerpoint/2010/main" val="932782625"/>
+      </p:ext>
+    </p:extLst>
+  </p:cSld>
+  <p:clrMapOvr>
+    <a:masterClrMapping/>
+  </p:clrMapOvr>
+</p:sld>
+</file>
+
+<file path=ppt/slides/slide26.xml><?xml version="1.0" encoding="utf-8"?>
+<p:sld xmlns:a="http://schemas.openxmlformats.org/drawingml/2006/main" xmlns:r="http://schemas.openxmlformats.org/officeDocument/2006/relationships" xmlns:p="http://schemas.openxmlformats.org/presentationml/2006/main">
+  <p:cSld>
+    <p:spTree>
+      <p:nvGrpSpPr>
+        <p:cNvPr id="1" name=""/>
+        <p:cNvGrpSpPr/>
+        <p:nvPr/>
+      </p:nvGrpSpPr>
+      <p:grpSpPr>
+        <a:xfrm>
+          <a:off x="0" y="0"/>
+          <a:ext cx="0" cy="0"/>
+          <a:chOff x="0" y="0"/>
+          <a:chExt cx="0" cy="0"/>
+        </a:xfrm>
+      </p:grpSpPr>
+      <p:sp>
+        <p:nvSpPr>
+          <p:cNvPr id="2" name="Title 1"/>
+          <p:cNvSpPr>
+            <a:spLocks noGrp="1"/>
+          </p:cNvSpPr>
+          <p:nvPr>
+            <p:ph type="title"/>
+          </p:nvPr>
+        </p:nvSpPr>
+        <p:spPr/>
+        <p:txBody>
+          <a:bodyPr/>
+          <a:lstStyle/>
+          <a:p>
+            <a:r>
+              <a:rPr lang="en-US" dirty="0" smtClean="0"/>
+              <a:t>Homework</a:t>
+            </a:r>
+            <a:endParaRPr lang="en-US" dirty="0"/>
+          </a:p>
+        </p:txBody>
+      </p:sp>
+      <p:sp>
+        <p:nvSpPr>
+          <p:cNvPr id="3" name="Content Placeholder 2"/>
+          <p:cNvSpPr>
+            <a:spLocks noGrp="1"/>
+          </p:cNvSpPr>
+          <p:nvPr>
+            <p:ph idx="1"/>
+          </p:nvPr>
+        </p:nvSpPr>
+        <p:spPr/>
+        <p:txBody>
+          <a:bodyPr/>
+          <a:lstStyle/>
+          <a:p>
+            <a:r>
+              <a:rPr lang="en-US" dirty="0" smtClean="0"/>
+              <a:t>Refactor the implementation using either a generic List or a generic Map</a:t>
+            </a:r>
+          </a:p>
+          <a:p>
+            <a:pPr lvl="1"/>
+            <a:endParaRPr lang="en-US" dirty="0" smtClean="0"/>
+          </a:p>
+          <a:p>
+            <a:pPr lvl="1"/>
+            <a:endParaRPr lang="en-US" dirty="0"/>
+          </a:p>
+          <a:p>
+            <a:r>
+              <a:rPr lang="en-US" dirty="0" smtClean="0"/>
+              <a:t>How would it work if we want to use only 1 List or Map? Considering that a Generic List can only be casted to one Interface. What kind of refactoring would we have to do?</a:t>
+            </a:r>
+            <a:endParaRPr lang="en-US" dirty="0"/>
+          </a:p>
+        </p:txBody>
+      </p:sp>
+    </p:spTree>
+    <p:extLst>
+      <p:ext uri="{BB962C8B-B14F-4D97-AF65-F5344CB8AC3E}">
+        <p14:creationId xmlns:p14="http://schemas.microsoft.com/office/powerpoint/2010/main" val="1548805352"/>
+      </p:ext>
+    </p:extLst>
+  </p:cSld>
+  <p:clrMapOvr>
+    <a:masterClrMapping/>
+  </p:clrMapOvr>
 </p:sld>
 </file>
 
